--- a/doc/image.pptx
+++ b/doc/image.pptx
@@ -104,6 +104,11 @@
       </a:defRPr>
     </a:lvl9pPr>
   </p:defaultTextStyle>
+  <p:extLst>
+    <p:ext uri="{EFAFB233-063F-42B5-8137-9DF3F51BA10A}">
+      <p15:sldGuideLst xmlns:p15="http://schemas.microsoft.com/office/powerpoint/2012/main"/>
+    </p:ext>
+  </p:extLst>
 </p:presentation>
 </file>
 
@@ -254,7 +259,7 @@
           <a:p>
             <a:fld id="{92005337-A65E-452A-90D7-DA007D5F2D42}" type="datetimeFigureOut">
               <a:rPr kumimoji="1" lang="ja-JP" altLang="en-US" smtClean="0"/>
-              <a:t>2021/11/21</a:t>
+              <a:t>2021/11/22</a:t>
             </a:fld>
             <a:endParaRPr kumimoji="1" lang="ja-JP" altLang="en-US"/>
           </a:p>
@@ -484,7 +489,7 @@
           <a:p>
             <a:fld id="{92005337-A65E-452A-90D7-DA007D5F2D42}" type="datetimeFigureOut">
               <a:rPr kumimoji="1" lang="ja-JP" altLang="en-US" smtClean="0"/>
-              <a:t>2021/11/21</a:t>
+              <a:t>2021/11/22</a:t>
             </a:fld>
             <a:endParaRPr kumimoji="1" lang="ja-JP" altLang="en-US"/>
           </a:p>
@@ -724,7 +729,7 @@
           <a:p>
             <a:fld id="{92005337-A65E-452A-90D7-DA007D5F2D42}" type="datetimeFigureOut">
               <a:rPr kumimoji="1" lang="ja-JP" altLang="en-US" smtClean="0"/>
-              <a:t>2021/11/21</a:t>
+              <a:t>2021/11/22</a:t>
             </a:fld>
             <a:endParaRPr kumimoji="1" lang="ja-JP" altLang="en-US"/>
           </a:p>
@@ -954,7 +959,7 @@
           <a:p>
             <a:fld id="{92005337-A65E-452A-90D7-DA007D5F2D42}" type="datetimeFigureOut">
               <a:rPr kumimoji="1" lang="ja-JP" altLang="en-US" smtClean="0"/>
-              <a:t>2021/11/21</a:t>
+              <a:t>2021/11/22</a:t>
             </a:fld>
             <a:endParaRPr kumimoji="1" lang="ja-JP" altLang="en-US"/>
           </a:p>
@@ -1229,7 +1234,7 @@
           <a:p>
             <a:fld id="{92005337-A65E-452A-90D7-DA007D5F2D42}" type="datetimeFigureOut">
               <a:rPr kumimoji="1" lang="ja-JP" altLang="en-US" smtClean="0"/>
-              <a:t>2021/11/21</a:t>
+              <a:t>2021/11/22</a:t>
             </a:fld>
             <a:endParaRPr kumimoji="1" lang="ja-JP" altLang="en-US"/>
           </a:p>
@@ -1558,7 +1563,7 @@
           <a:p>
             <a:fld id="{92005337-A65E-452A-90D7-DA007D5F2D42}" type="datetimeFigureOut">
               <a:rPr kumimoji="1" lang="ja-JP" altLang="en-US" smtClean="0"/>
-              <a:t>2021/11/21</a:t>
+              <a:t>2021/11/22</a:t>
             </a:fld>
             <a:endParaRPr kumimoji="1" lang="ja-JP" altLang="en-US"/>
           </a:p>
@@ -2034,7 +2039,7 @@
           <a:p>
             <a:fld id="{92005337-A65E-452A-90D7-DA007D5F2D42}" type="datetimeFigureOut">
               <a:rPr kumimoji="1" lang="ja-JP" altLang="en-US" smtClean="0"/>
-              <a:t>2021/11/21</a:t>
+              <a:t>2021/11/22</a:t>
             </a:fld>
             <a:endParaRPr kumimoji="1" lang="ja-JP" altLang="en-US"/>
           </a:p>
@@ -2175,7 +2180,7 @@
           <a:p>
             <a:fld id="{92005337-A65E-452A-90D7-DA007D5F2D42}" type="datetimeFigureOut">
               <a:rPr kumimoji="1" lang="ja-JP" altLang="en-US" smtClean="0"/>
-              <a:t>2021/11/21</a:t>
+              <a:t>2021/11/22</a:t>
             </a:fld>
             <a:endParaRPr kumimoji="1" lang="ja-JP" altLang="en-US"/>
           </a:p>
@@ -2288,7 +2293,7 @@
           <a:p>
             <a:fld id="{92005337-A65E-452A-90D7-DA007D5F2D42}" type="datetimeFigureOut">
               <a:rPr kumimoji="1" lang="ja-JP" altLang="en-US" smtClean="0"/>
-              <a:t>2021/11/21</a:t>
+              <a:t>2021/11/22</a:t>
             </a:fld>
             <a:endParaRPr kumimoji="1" lang="ja-JP" altLang="en-US"/>
           </a:p>
@@ -2631,7 +2636,7 @@
           <a:p>
             <a:fld id="{92005337-A65E-452A-90D7-DA007D5F2D42}" type="datetimeFigureOut">
               <a:rPr kumimoji="1" lang="ja-JP" altLang="en-US" smtClean="0"/>
-              <a:t>2021/11/21</a:t>
+              <a:t>2021/11/22</a:t>
             </a:fld>
             <a:endParaRPr kumimoji="1" lang="ja-JP" altLang="en-US"/>
           </a:p>
@@ -2919,7 +2924,7 @@
           <a:p>
             <a:fld id="{92005337-A65E-452A-90D7-DA007D5F2D42}" type="datetimeFigureOut">
               <a:rPr kumimoji="1" lang="ja-JP" altLang="en-US" smtClean="0"/>
-              <a:t>2021/11/21</a:t>
+              <a:t>2021/11/22</a:t>
             </a:fld>
             <a:endParaRPr kumimoji="1" lang="ja-JP" altLang="en-US"/>
           </a:p>
@@ -3192,7 +3197,7 @@
           <a:p>
             <a:fld id="{92005337-A65E-452A-90D7-DA007D5F2D42}" type="datetimeFigureOut">
               <a:rPr kumimoji="1" lang="ja-JP" altLang="en-US" smtClean="0"/>
-              <a:t>2021/11/21</a:t>
+              <a:t>2021/11/22</a:t>
             </a:fld>
             <a:endParaRPr kumimoji="1" lang="ja-JP" altLang="en-US"/>
           </a:p>
@@ -3623,8 +3628,8 @@
         </p:nvSpPr>
         <p:spPr>
           <a:xfrm>
-            <a:off x="4154648" y="623268"/>
-            <a:ext cx="3882704" cy="5704514"/>
+            <a:off x="5518506" y="2627064"/>
+            <a:ext cx="1154988" cy="1696922"/>
           </a:xfrm>
           <a:prstGeom prst="roundRect">
             <a:avLst>
@@ -3682,10 +3687,10 @@
         </p:nvGrpSpPr>
         <p:grpSpPr>
           <a:xfrm>
-            <a:off x="3880258" y="1741461"/>
-            <a:ext cx="4431485" cy="5009733"/>
-            <a:chOff x="3880258" y="1741461"/>
-            <a:chExt cx="4431485" cy="5009733"/>
+            <a:off x="5395913" y="3038475"/>
+            <a:ext cx="1400174" cy="1564481"/>
+            <a:chOff x="4831208" y="6463007"/>
+            <a:chExt cx="4706941" cy="5259288"/>
           </a:xfrm>
         </p:grpSpPr>
         <p:sp>
@@ -3702,8 +3707,8 @@
           </p:nvSpPr>
           <p:spPr>
             <a:xfrm>
-              <a:off x="4070059" y="1909993"/>
-              <a:ext cx="4051882" cy="4672668"/>
+              <a:off x="5176204" y="6751194"/>
+              <a:ext cx="4051880" cy="4672667"/>
             </a:xfrm>
             <a:prstGeom prst="roundRect">
               <a:avLst>
@@ -3717,7 +3722,7 @@
                 <a:fillRect/>
               </a:stretch>
             </a:blipFill>
-            <a:ln w="381000" cmpd="sng">
+            <a:ln w="190500" cmpd="sng">
               <a:solidFill>
                 <a:schemeClr val="bg1">
                   <a:lumMod val="95000"/>
@@ -3764,8 +3769,8 @@
           </p:nvSpPr>
           <p:spPr>
             <a:xfrm>
-              <a:off x="3880258" y="1741461"/>
-              <a:ext cx="4431485" cy="5009733"/>
+              <a:off x="4831208" y="6463007"/>
+              <a:ext cx="4706941" cy="5259288"/>
             </a:xfrm>
             <a:prstGeom prst="roundRect">
               <a:avLst>
@@ -3819,8 +3824,8 @@
         </p:nvSpPr>
         <p:spPr>
           <a:xfrm>
-            <a:off x="5150498" y="736537"/>
-            <a:ext cx="1912775" cy="750045"/>
+            <a:off x="5811503" y="2721212"/>
+            <a:ext cx="568994" cy="223116"/>
           </a:xfrm>
           <a:prstGeom prst="roundRect">
             <a:avLst>
